--- a/Docs/Voice Coach-presentation.pptx
+++ b/Docs/Voice Coach-presentation.pptx
@@ -14,6 +14,7 @@
     <p:sldId id="265" r:id="rId8"/>
     <p:sldId id="263" r:id="rId9"/>
     <p:sldId id="266" r:id="rId10"/>
+    <p:sldId id="268" r:id="rId11"/>
   </p:sldIdLst>
   <p:sldSz cx="12192000" cy="6858000"/>
   <p:notesSz cx="6858000" cy="9144000"/>
@@ -4447,6 +4448,427 @@
 </p:sld>
 </file>
 
+<file path=ppt/slides/slide10.xml><?xml version="1.0" encoding="utf-8"?>
+<p:sld xmlns:a="http://schemas.openxmlformats.org/drawingml/2006/main" xmlns:r="http://schemas.openxmlformats.org/officeDocument/2006/relationships" xmlns:p="http://schemas.openxmlformats.org/presentationml/2006/main">
+  <p:cSld>
+    <p:bg>
+      <p:bgPr>
+        <a:solidFill>
+          <a:schemeClr val="bg1"/>
+        </a:solidFill>
+        <a:effectLst/>
+      </p:bgPr>
+    </p:bg>
+    <p:spTree>
+      <p:nvGrpSpPr>
+        <p:cNvPr id="1" name=""/>
+        <p:cNvGrpSpPr/>
+        <p:nvPr/>
+      </p:nvGrpSpPr>
+      <p:grpSpPr>
+        <a:xfrm>
+          <a:off x="0" y="0"/>
+          <a:ext cx="0" cy="0"/>
+          <a:chOff x="0" y="0"/>
+          <a:chExt cx="0" cy="0"/>
+        </a:xfrm>
+      </p:grpSpPr>
+      <p:cxnSp>
+        <p:nvCxnSpPr>
+          <p:cNvPr id="2076" name="Straight Connector 2075">
+            <a:extLst>
+              <a:ext uri="{FF2B5EF4-FFF2-40B4-BE49-F238E27FC236}">
+                <a16:creationId xmlns:a16="http://schemas.microsoft.com/office/drawing/2014/main" id="{AEED5540-64E5-4258-ABA4-753F07B71B38}"/>
+              </a:ext>
+              <a:ext uri="{C183D7F6-B498-43B3-948B-1728B52AA6E4}">
+                <adec:decorative xmlns:adec="http://schemas.microsoft.com/office/drawing/2017/decorative" val="1"/>
+              </a:ext>
+            </a:extLst>
+          </p:cNvPr>
+          <p:cNvCxnSpPr>
+            <a:cxnSpLocks noGrp="1" noRot="1" noChangeAspect="1" noMove="1" noResize="1" noEditPoints="1" noAdjustHandles="1" noChangeArrowheads="1" noChangeShapeType="1"/>
+          </p:cNvCxnSpPr>
+          <p:nvPr>
+            <p:extLst>
+              <p:ext uri="{386F3935-93C4-4BCD-93E2-E3B085C9AB24}">
+                <p16:designElem xmlns:p16="http://schemas.microsoft.com/office/powerpoint/2015/main" val="1"/>
+              </p:ext>
+            </p:extLst>
+          </p:nvPr>
+        </p:nvCxnSpPr>
+        <p:spPr>
+          <a:xfrm>
+            <a:off x="1524000" y="4571506"/>
+            <a:ext cx="971155" cy="0"/>
+          </a:xfrm>
+          <a:prstGeom prst="line">
+            <a:avLst/>
+          </a:prstGeom>
+          <a:ln w="31750">
+            <a:solidFill>
+              <a:schemeClr val="tx1"/>
+            </a:solidFill>
+          </a:ln>
+        </p:spPr>
+        <p:style>
+          <a:lnRef idx="1">
+            <a:schemeClr val="accent1"/>
+          </a:lnRef>
+          <a:fillRef idx="0">
+            <a:schemeClr val="accent1"/>
+          </a:fillRef>
+          <a:effectRef idx="0">
+            <a:schemeClr val="accent1"/>
+          </a:effectRef>
+          <a:fontRef idx="minor">
+            <a:schemeClr val="tx1"/>
+          </a:fontRef>
+        </p:style>
+      </p:cxnSp>
+      <p:sp useBgFill="1">
+        <p:nvSpPr>
+          <p:cNvPr id="2078" name="Rectangle 2077">
+            <a:extLst>
+              <a:ext uri="{FF2B5EF4-FFF2-40B4-BE49-F238E27FC236}">
+                <a16:creationId xmlns:a16="http://schemas.microsoft.com/office/drawing/2014/main" id="{055BEBF3-DFCD-47AA-B145-ADA107FAA582}"/>
+              </a:ext>
+              <a:ext uri="{C183D7F6-B498-43B3-948B-1728B52AA6E4}">
+                <adec:decorative xmlns:adec="http://schemas.microsoft.com/office/drawing/2017/decorative" val="1"/>
+              </a:ext>
+            </a:extLst>
+          </p:cNvPr>
+          <p:cNvSpPr>
+            <a:spLocks noGrp="1" noRot="1" noChangeAspect="1" noMove="1" noResize="1" noEditPoints="1" noAdjustHandles="1" noChangeArrowheads="1" noChangeShapeType="1" noTextEdit="1"/>
+          </p:cNvSpPr>
+          <p:nvPr>
+            <p:extLst>
+              <p:ext uri="{386F3935-93C4-4BCD-93E2-E3B085C9AB24}">
+                <p16:designElem xmlns:p16="http://schemas.microsoft.com/office/powerpoint/2015/main" val="1"/>
+              </p:ext>
+            </p:extLst>
+          </p:nvPr>
+        </p:nvSpPr>
+        <p:spPr>
+          <a:xfrm>
+            <a:off x="0" y="0"/>
+            <a:ext cx="12192000" cy="6858000"/>
+          </a:xfrm>
+          <a:prstGeom prst="rect">
+            <a:avLst/>
+          </a:prstGeom>
+          <a:ln w="12700" cap="flat" cmpd="sng" algn="ctr">
+            <a:noFill/>
+            <a:prstDash val="solid"/>
+            <a:miter lim="800000"/>
+          </a:ln>
+          <a:effectLst/>
+          <a:extLst>
+            <a:ext uri="{91240B29-F687-4F45-9708-019B960494DF}">
+              <a14:hiddenLine xmlns:a14="http://schemas.microsoft.com/office/drawing/2010/main" w="12700" cap="flat" cmpd="sng" algn="ctr">
+                <a:solidFill>
+                  <a:schemeClr val="accent1">
+                    <a:shade val="50000"/>
+                  </a:schemeClr>
+                </a:solidFill>
+                <a:prstDash val="solid"/>
+                <a:miter lim="800000"/>
+              </a14:hiddenLine>
+            </a:ext>
+          </a:extLst>
+        </p:spPr>
+        <p:style>
+          <a:lnRef idx="2">
+            <a:schemeClr val="accent1">
+              <a:shade val="50000"/>
+            </a:schemeClr>
+          </a:lnRef>
+          <a:fillRef idx="1">
+            <a:schemeClr val="accent1"/>
+          </a:fillRef>
+          <a:effectRef idx="0">
+            <a:schemeClr val="accent1"/>
+          </a:effectRef>
+          <a:fontRef idx="minor">
+            <a:schemeClr val="lt1"/>
+          </a:fontRef>
+        </p:style>
+        <p:txBody>
+          <a:bodyPr rtlCol="0" anchor="ctr"/>
+          <a:lstStyle/>
+          <a:p>
+            <a:pPr marL="0" marR="0" lvl="0" indent="0" algn="ctr" defTabSz="914400" rtl="0" eaLnBrk="1" fontAlgn="auto" latinLnBrk="0" hangingPunct="1">
+              <a:lnSpc>
+                <a:spcPct val="100000"/>
+              </a:lnSpc>
+              <a:spcBef>
+                <a:spcPts val="0"/>
+              </a:spcBef>
+              <a:spcAft>
+                <a:spcPts val="0"/>
+              </a:spcAft>
+              <a:buClrTx/>
+              <a:buSzTx/>
+              <a:buFontTx/>
+              <a:buNone/>
+              <a:tabLst/>
+              <a:defRPr/>
+            </a:pPr>
+            <a:endParaRPr kumimoji="0" lang="en-US" sz="1800" b="0" i="0" u="none" strike="noStrike" kern="1200" cap="none" spc="0" normalizeH="0" baseline="0" noProof="0">
+              <a:ln>
+                <a:noFill/>
+              </a:ln>
+              <a:solidFill>
+                <a:prstClr val="white"/>
+              </a:solidFill>
+              <a:effectLst/>
+              <a:uLnTx/>
+              <a:uFillTx/>
+              <a:latin typeface="Trade Gothic Next Light"/>
+              <a:ea typeface="+mn-ea"/>
+              <a:cs typeface="+mn-cs"/>
+            </a:endParaRPr>
+          </a:p>
+        </p:txBody>
+      </p:sp>
+      <p:sp>
+        <p:nvSpPr>
+          <p:cNvPr id="2" name="Title 1">
+            <a:extLst>
+              <a:ext uri="{FF2B5EF4-FFF2-40B4-BE49-F238E27FC236}">
+                <a16:creationId xmlns:a16="http://schemas.microsoft.com/office/drawing/2014/main" id="{6B774D61-2387-E576-79C1-708AB52C78C4}"/>
+              </a:ext>
+            </a:extLst>
+          </p:cNvPr>
+          <p:cNvSpPr>
+            <a:spLocks noGrp="1"/>
+          </p:cNvSpPr>
+          <p:nvPr>
+            <p:ph type="title"/>
+          </p:nvPr>
+        </p:nvSpPr>
+        <p:spPr>
+          <a:xfrm>
+            <a:off x="1143000" y="1524000"/>
+            <a:ext cx="3810000" cy="2156459"/>
+          </a:xfrm>
+        </p:spPr>
+        <p:txBody>
+          <a:bodyPr vert="horz" lIns="91440" tIns="45720" rIns="91440" bIns="45720" rtlCol="0" anchor="b">
+            <a:normAutofit/>
+          </a:bodyPr>
+          <a:lstStyle/>
+          <a:p>
+            <a:pPr algn="ctr"/>
+            <a:r>
+              <a:rPr lang="en-US" dirty="0"/>
+              <a:t>ui walkthrough</a:t>
+            </a:r>
+          </a:p>
+        </p:txBody>
+      </p:sp>
+      <p:sp>
+        <p:nvSpPr>
+          <p:cNvPr id="2080" name="Rectangle 2079">
+            <a:extLst>
+              <a:ext uri="{FF2B5EF4-FFF2-40B4-BE49-F238E27FC236}">
+                <a16:creationId xmlns:a16="http://schemas.microsoft.com/office/drawing/2014/main" id="{40E0E787-6A3F-4579-9E73-AC9FBB0E3A45}"/>
+              </a:ext>
+              <a:ext uri="{C183D7F6-B498-43B3-948B-1728B52AA6E4}">
+                <adec:decorative xmlns:adec="http://schemas.microsoft.com/office/drawing/2017/decorative" val="1"/>
+              </a:ext>
+            </a:extLst>
+          </p:cNvPr>
+          <p:cNvSpPr>
+            <a:spLocks noGrp="1" noRot="1" noChangeAspect="1" noMove="1" noResize="1" noEditPoints="1" noAdjustHandles="1" noChangeArrowheads="1" noChangeShapeType="1" noTextEdit="1"/>
+          </p:cNvSpPr>
+          <p:nvPr>
+            <p:extLst>
+              <p:ext uri="{386F3935-93C4-4BCD-93E2-E3B085C9AB24}">
+                <p16:designElem xmlns:p16="http://schemas.microsoft.com/office/powerpoint/2015/main" val="1"/>
+              </p:ext>
+            </p:extLst>
+          </p:nvPr>
+        </p:nvSpPr>
+        <p:spPr>
+          <a:xfrm>
+            <a:off x="6095998" y="0"/>
+            <a:ext cx="6096001" cy="6858000"/>
+          </a:xfrm>
+          <a:prstGeom prst="rect">
+            <a:avLst/>
+          </a:prstGeom>
+          <a:solidFill>
+            <a:schemeClr val="tx1"/>
+          </a:solidFill>
+          <a:ln w="12700" cap="flat" cmpd="sng" algn="ctr">
+            <a:noFill/>
+            <a:prstDash val="solid"/>
+            <a:miter lim="800000"/>
+          </a:ln>
+          <a:effectLst/>
+        </p:spPr>
+        <p:style>
+          <a:lnRef idx="2">
+            <a:schemeClr val="accent1">
+              <a:shade val="50000"/>
+            </a:schemeClr>
+          </a:lnRef>
+          <a:fillRef idx="1">
+            <a:schemeClr val="accent1"/>
+          </a:fillRef>
+          <a:effectRef idx="0">
+            <a:schemeClr val="accent1"/>
+          </a:effectRef>
+          <a:fontRef idx="minor">
+            <a:schemeClr val="lt1"/>
+          </a:fontRef>
+        </p:style>
+        <p:txBody>
+          <a:bodyPr rtlCol="0" anchor="ctr"/>
+          <a:lstStyle/>
+          <a:p>
+            <a:pPr marL="0" marR="0" lvl="0" indent="0" algn="ctr" defTabSz="914400" rtl="0" eaLnBrk="1" fontAlgn="auto" latinLnBrk="0" hangingPunct="1">
+              <a:lnSpc>
+                <a:spcPct val="100000"/>
+              </a:lnSpc>
+              <a:spcBef>
+                <a:spcPts val="0"/>
+              </a:spcBef>
+              <a:spcAft>
+                <a:spcPts val="0"/>
+              </a:spcAft>
+              <a:buClrTx/>
+              <a:buSzTx/>
+              <a:buFontTx/>
+              <a:buNone/>
+              <a:tabLst/>
+              <a:defRPr/>
+            </a:pPr>
+            <a:endParaRPr kumimoji="0" lang="en-US" sz="1800" b="0" i="0" u="none" strike="noStrike" kern="1200" cap="none" spc="0" normalizeH="0" baseline="0" noProof="0">
+              <a:ln>
+                <a:noFill/>
+              </a:ln>
+              <a:solidFill>
+                <a:prstClr val="white"/>
+              </a:solidFill>
+              <a:effectLst/>
+              <a:uLnTx/>
+              <a:uFillTx/>
+              <a:latin typeface="Trade Gothic Next Light"/>
+              <a:ea typeface="+mn-ea"/>
+              <a:cs typeface="+mn-cs"/>
+            </a:endParaRPr>
+          </a:p>
+        </p:txBody>
+      </p:sp>
+      <p:cxnSp>
+        <p:nvCxnSpPr>
+          <p:cNvPr id="2082" name="Straight Connector 2081">
+            <a:extLst>
+              <a:ext uri="{FF2B5EF4-FFF2-40B4-BE49-F238E27FC236}">
+                <a16:creationId xmlns:a16="http://schemas.microsoft.com/office/drawing/2014/main" id="{651B3B56-501F-42FF-8534-28EF7857BD40}"/>
+              </a:ext>
+              <a:ext uri="{C183D7F6-B498-43B3-948B-1728B52AA6E4}">
+                <adec:decorative xmlns:adec="http://schemas.microsoft.com/office/drawing/2017/decorative" val="1"/>
+              </a:ext>
+            </a:extLst>
+          </p:cNvPr>
+          <p:cNvCxnSpPr>
+            <a:cxnSpLocks noGrp="1" noRot="1" noChangeAspect="1" noMove="1" noResize="1" noEditPoints="1" noAdjustHandles="1" noChangeArrowheads="1" noChangeShapeType="1"/>
+          </p:cNvCxnSpPr>
+          <p:nvPr>
+            <p:extLst>
+              <p:ext uri="{386F3935-93C4-4BCD-93E2-E3B085C9AB24}">
+                <p16:designElem xmlns:p16="http://schemas.microsoft.com/office/powerpoint/2015/main" val="1"/>
+              </p:ext>
+            </p:extLst>
+          </p:nvPr>
+        </p:nvCxnSpPr>
+        <p:spPr>
+          <a:xfrm>
+            <a:off x="2562423" y="3997080"/>
+            <a:ext cx="971155" cy="0"/>
+          </a:xfrm>
+          <a:prstGeom prst="line">
+            <a:avLst/>
+          </a:prstGeom>
+          <a:ln w="31750">
+            <a:solidFill>
+              <a:schemeClr val="tx1"/>
+            </a:solidFill>
+          </a:ln>
+        </p:spPr>
+        <p:style>
+          <a:lnRef idx="1">
+            <a:schemeClr val="accent1"/>
+          </a:lnRef>
+          <a:fillRef idx="0">
+            <a:schemeClr val="accent1"/>
+          </a:fillRef>
+          <a:effectRef idx="0">
+            <a:schemeClr val="accent1"/>
+          </a:effectRef>
+          <a:fontRef idx="minor">
+            <a:schemeClr val="tx1"/>
+          </a:fontRef>
+        </p:style>
+      </p:cxnSp>
+      <p:sp>
+        <p:nvSpPr>
+          <p:cNvPr id="3" name="Content Placeholder 2">
+            <a:extLst>
+              <a:ext uri="{FF2B5EF4-FFF2-40B4-BE49-F238E27FC236}">
+                <a16:creationId xmlns:a16="http://schemas.microsoft.com/office/drawing/2014/main" id="{58F1B7CB-39F1-9F31-59F2-C068B8F1E810}"/>
+              </a:ext>
+            </a:extLst>
+          </p:cNvPr>
+          <p:cNvSpPr>
+            <a:spLocks noGrp="1"/>
+          </p:cNvSpPr>
+          <p:nvPr>
+            <p:ph idx="1"/>
+          </p:nvPr>
+        </p:nvSpPr>
+        <p:spPr>
+          <a:xfrm>
+            <a:off x="6492099" y="1679509"/>
+            <a:ext cx="5000215" cy="4383055"/>
+          </a:xfrm>
+        </p:spPr>
+        <p:txBody>
+          <a:bodyPr/>
+          <a:lstStyle/>
+          <a:p>
+            <a:r>
+              <a:rPr lang="en-US" dirty="0">
+                <a:solidFill>
+                  <a:schemeClr val="bg2"/>
+                </a:solidFill>
+                <a:hlinkClick r:id="rId2"/>
+              </a:rPr>
+              <a:t>https://www.figma.com/proto/TLebzET0CUZ6GseieabxqB/Untitled?type=design&amp;node-id=3-2&amp;t=EjBoayxiP8jDkXeL-1&amp;scaling=min-zoom&amp;page-id=0%3A1&amp;starting-point-node-id=1%3A2&amp;mode=design</a:t>
+            </a:r>
+            <a:endParaRPr lang="en-IL" dirty="0">
+              <a:solidFill>
+                <a:schemeClr val="bg2"/>
+              </a:solidFill>
+            </a:endParaRPr>
+          </a:p>
+        </p:txBody>
+      </p:sp>
+    </p:spTree>
+    <p:extLst>
+      <p:ext uri="{BB962C8B-B14F-4D97-AF65-F5344CB8AC3E}">
+        <p14:creationId xmlns:p14="http://schemas.microsoft.com/office/powerpoint/2010/main" val="650964791"/>
+      </p:ext>
+    </p:extLst>
+  </p:cSld>
+  <p:clrMapOvr>
+    <a:masterClrMapping/>
+  </p:clrMapOvr>
+</p:sld>
+</file>
+
 <file path=ppt/slides/slide2.xml><?xml version="1.0" encoding="utf-8"?>
 <p:sld xmlns:a="http://schemas.openxmlformats.org/drawingml/2006/main" xmlns:r="http://schemas.openxmlformats.org/officeDocument/2006/relationships" xmlns:p="http://schemas.openxmlformats.org/presentationml/2006/main">
   <p:cSld>
@@ -5040,7 +5462,7 @@
                   <a:srgbClr val="FFFFFF"/>
                 </a:solidFill>
               </a:rPr>
-              <a:t>Create an account using email</a:t>
+              <a:t>Create an account</a:t>
             </a:r>
           </a:p>
           <a:p>
@@ -5090,7 +5512,7 @@
                   <a:srgbClr val="FFFFFF"/>
                 </a:solidFill>
               </a:rPr>
-              <a:t>Progress analysis for the user as they add projects</a:t>
+              <a:t>Progress analysis for the users as they add projects</a:t>
             </a:r>
             <a:endParaRPr lang="en-IL" dirty="0">
               <a:solidFill>
@@ -5405,8 +5827,80 @@
         </p:blipFill>
         <p:spPr>
           <a:xfrm>
-            <a:off x="7795221" y="220714"/>
-            <a:ext cx="3175585" cy="1786965"/>
+            <a:off x="6096000" y="0"/>
+            <a:ext cx="6096000" cy="2324782"/>
+          </a:xfrm>
+          <a:prstGeom prst="rect">
+            <a:avLst/>
+          </a:prstGeom>
+        </p:spPr>
+      </p:pic>
+      <p:pic>
+        <p:nvPicPr>
+          <p:cNvPr id="4" name="Picture 3" descr="A blue light on a black background">
+            <a:extLst>
+              <a:ext uri="{FF2B5EF4-FFF2-40B4-BE49-F238E27FC236}">
+                <a16:creationId xmlns:a16="http://schemas.microsoft.com/office/drawing/2014/main" id="{C4086A49-6251-77D0-7173-42B4AABAE32A}"/>
+              </a:ext>
+            </a:extLst>
+          </p:cNvPr>
+          <p:cNvPicPr>
+            <a:picLocks noChangeAspect="1"/>
+          </p:cNvPicPr>
+          <p:nvPr/>
+        </p:nvPicPr>
+        <p:blipFill>
+          <a:blip r:embed="rId3">
+            <a:extLst>
+              <a:ext uri="{28A0092B-C50C-407E-A947-70E740481C1C}">
+                <a14:useLocalDpi xmlns:a14="http://schemas.microsoft.com/office/drawing/2010/main" val="0"/>
+              </a:ext>
+            </a:extLst>
+          </a:blip>
+          <a:stretch>
+            <a:fillRect/>
+          </a:stretch>
+        </p:blipFill>
+        <p:spPr>
+          <a:xfrm>
+            <a:off x="6096000" y="2324782"/>
+            <a:ext cx="6096000" cy="2478956"/>
+          </a:xfrm>
+          <a:prstGeom prst="rect">
+            <a:avLst/>
+          </a:prstGeom>
+        </p:spPr>
+      </p:pic>
+      <p:pic>
+        <p:nvPicPr>
+          <p:cNvPr id="6" name="Picture 5" descr="A graph with lines and dots">
+            <a:extLst>
+              <a:ext uri="{FF2B5EF4-FFF2-40B4-BE49-F238E27FC236}">
+                <a16:creationId xmlns:a16="http://schemas.microsoft.com/office/drawing/2014/main" id="{B47EC389-BCA9-1A6C-4B8D-16CFB3C071A3}"/>
+              </a:ext>
+            </a:extLst>
+          </p:cNvPr>
+          <p:cNvPicPr>
+            <a:picLocks noChangeAspect="1"/>
+          </p:cNvPicPr>
+          <p:nvPr/>
+        </p:nvPicPr>
+        <p:blipFill>
+          <a:blip r:embed="rId4">
+            <a:extLst>
+              <a:ext uri="{28A0092B-C50C-407E-A947-70E740481C1C}">
+                <a14:useLocalDpi xmlns:a14="http://schemas.microsoft.com/office/drawing/2010/main" val="0"/>
+              </a:ext>
+            </a:extLst>
+          </a:blip>
+          <a:stretch>
+            <a:fillRect/>
+          </a:stretch>
+        </p:blipFill>
+        <p:spPr>
+          <a:xfrm>
+            <a:off x="6096000" y="4803738"/>
+            <a:ext cx="6096000" cy="2054263"/>
           </a:xfrm>
           <a:prstGeom prst="rect">
             <a:avLst/>
